--- a/review/pptx/review_1.pptx
+++ b/review/pptx/review_1.pptx
@@ -9,23 +9,24 @@
     <p:sldId id="262" r:id="rId3"/>
     <p:sldId id="263" r:id="rId4"/>
     <p:sldId id="264" r:id="rId5"/>
-    <p:sldId id="265" r:id="rId6"/>
-    <p:sldId id="266" r:id="rId7"/>
+    <p:sldId id="267" r:id="rId6"/>
+    <p:sldId id="268" r:id="rId7"/>
+    <p:sldId id="266" r:id="rId8"/>
   </p:sldIdLst>
   <p:sldSz cx="18288000" cy="10287000"/>
   <p:notesSz cx="6858000" cy="9144000"/>
   <p:embeddedFontLst>
     <p:embeddedFont>
       <p:font typeface="Now" panose="020B0604020202020204" charset="0"/>
-      <p:regular r:id="rId8"/>
+      <p:regular r:id="rId9"/>
     </p:embeddedFont>
     <p:embeddedFont>
       <p:font typeface="Now Heavy" panose="020B0604020202020204" charset="0"/>
-      <p:regular r:id="rId9"/>
+      <p:regular r:id="rId10"/>
     </p:embeddedFont>
     <p:embeddedFont>
       <p:font typeface="Raleway Bold" panose="020B0604020202020204" charset="0"/>
-      <p:regular r:id="rId10"/>
+      <p:regular r:id="rId11"/>
     </p:embeddedFont>
   </p:embeddedFontLst>
   <p:defaultTextStyle>
@@ -322,7 +323,7 @@
             <a:fld id="{1D8BD707-D9CF-40AE-B4C6-C98DA3205C09}" type="datetimeFigureOut">
               <a:rPr lang="en-US" smtClean="0"/>
               <a:pPr/>
-              <a:t>3/11/2025</a:t>
+              <a:t>4/28/2025</a:t>
             </a:fld>
             <a:endParaRPr lang="en-US"/>
           </a:p>
@@ -487,7 +488,7 @@
             <a:fld id="{1D8BD707-D9CF-40AE-B4C6-C98DA3205C09}" type="datetimeFigureOut">
               <a:rPr lang="en-US" smtClean="0"/>
               <a:pPr/>
-              <a:t>3/11/2025</a:t>
+              <a:t>4/28/2025</a:t>
             </a:fld>
             <a:endParaRPr lang="en-US"/>
           </a:p>
@@ -662,7 +663,7 @@
             <a:fld id="{1D8BD707-D9CF-40AE-B4C6-C98DA3205C09}" type="datetimeFigureOut">
               <a:rPr lang="en-US" smtClean="0"/>
               <a:pPr/>
-              <a:t>3/11/2025</a:t>
+              <a:t>4/28/2025</a:t>
             </a:fld>
             <a:endParaRPr lang="en-US"/>
           </a:p>
@@ -827,7 +828,7 @@
             <a:fld id="{1D8BD707-D9CF-40AE-B4C6-C98DA3205C09}" type="datetimeFigureOut">
               <a:rPr lang="en-US" smtClean="0"/>
               <a:pPr/>
-              <a:t>3/11/2025</a:t>
+              <a:t>4/28/2025</a:t>
             </a:fld>
             <a:endParaRPr lang="en-US"/>
           </a:p>
@@ -1069,7 +1070,7 @@
             <a:fld id="{1D8BD707-D9CF-40AE-B4C6-C98DA3205C09}" type="datetimeFigureOut">
               <a:rPr lang="en-US" smtClean="0"/>
               <a:pPr/>
-              <a:t>3/11/2025</a:t>
+              <a:t>4/28/2025</a:t>
             </a:fld>
             <a:endParaRPr lang="en-US"/>
           </a:p>
@@ -1351,7 +1352,7 @@
             <a:fld id="{1D8BD707-D9CF-40AE-B4C6-C98DA3205C09}" type="datetimeFigureOut">
               <a:rPr lang="en-US" smtClean="0"/>
               <a:pPr/>
-              <a:t>3/11/2025</a:t>
+              <a:t>4/28/2025</a:t>
             </a:fld>
             <a:endParaRPr lang="en-US"/>
           </a:p>
@@ -1767,7 +1768,7 @@
             <a:fld id="{1D8BD707-D9CF-40AE-B4C6-C98DA3205C09}" type="datetimeFigureOut">
               <a:rPr lang="en-US" smtClean="0"/>
               <a:pPr/>
-              <a:t>3/11/2025</a:t>
+              <a:t>4/28/2025</a:t>
             </a:fld>
             <a:endParaRPr lang="en-US"/>
           </a:p>
@@ -1881,7 +1882,7 @@
             <a:fld id="{1D8BD707-D9CF-40AE-B4C6-C98DA3205C09}" type="datetimeFigureOut">
               <a:rPr lang="en-US" smtClean="0"/>
               <a:pPr/>
-              <a:t>3/11/2025</a:t>
+              <a:t>4/28/2025</a:t>
             </a:fld>
             <a:endParaRPr lang="en-US"/>
           </a:p>
@@ -1973,7 +1974,7 @@
             <a:fld id="{1D8BD707-D9CF-40AE-B4C6-C98DA3205C09}" type="datetimeFigureOut">
               <a:rPr lang="en-US" smtClean="0"/>
               <a:pPr/>
-              <a:t>3/11/2025</a:t>
+              <a:t>4/28/2025</a:t>
             </a:fld>
             <a:endParaRPr lang="en-US"/>
           </a:p>
@@ -2245,7 +2246,7 @@
             <a:fld id="{1D8BD707-D9CF-40AE-B4C6-C98DA3205C09}" type="datetimeFigureOut">
               <a:rPr lang="en-US" smtClean="0"/>
               <a:pPr/>
-              <a:t>3/11/2025</a:t>
+              <a:t>4/28/2025</a:t>
             </a:fld>
             <a:endParaRPr lang="en-US"/>
           </a:p>
@@ -2494,7 +2495,7 @@
             <a:fld id="{1D8BD707-D9CF-40AE-B4C6-C98DA3205C09}" type="datetimeFigureOut">
               <a:rPr lang="en-US" smtClean="0"/>
               <a:pPr/>
-              <a:t>3/11/2025</a:t>
+              <a:t>4/28/2025</a:t>
             </a:fld>
             <a:endParaRPr lang="en-US"/>
           </a:p>
@@ -2702,7 +2703,7 @@
             <a:fld id="{1D8BD707-D9CF-40AE-B4C6-C98DA3205C09}" type="datetimeFigureOut">
               <a:rPr lang="en-US" smtClean="0"/>
               <a:pPr/>
-              <a:t>3/11/2025</a:t>
+              <a:t>4/28/2025</a:t>
             </a:fld>
             <a:endParaRPr lang="en-US"/>
           </a:p>
@@ -5630,8 +5631,8 @@
           <p:nvPr/>
         </p:nvSpPr>
         <p:spPr>
-          <a:xfrm>
-            <a:off x="-1735280" y="1409700"/>
+          <a:xfrm rot="-616432">
+            <a:off x="-2442929" y="3450562"/>
             <a:ext cx="7367716" cy="10287000"/>
           </a:xfrm>
           <a:custGeom>
@@ -5646,10 +5647,10 @@
                   <a:pt x="0" y="0"/>
                 </a:moveTo>
                 <a:lnTo>
-                  <a:pt x="7367717" y="0"/>
-                </a:lnTo>
-                <a:lnTo>
-                  <a:pt x="7367717" y="10287000"/>
+                  <a:pt x="7367716" y="0"/>
+                </a:lnTo>
+                <a:lnTo>
+                  <a:pt x="7367716" y="10287000"/>
                 </a:lnTo>
                 <a:lnTo>
                   <a:pt x="0" y="10287000"/>
@@ -5682,8 +5683,8 @@
           <p:nvPr/>
         </p:nvSpPr>
         <p:spPr>
-          <a:xfrm flipH="1" flipV="1">
-            <a:off x="12813920" y="-1619808"/>
+          <a:xfrm rot="-522331" flipH="1" flipV="1">
+            <a:off x="13222819" y="-2891373"/>
             <a:ext cx="6677243" cy="9322943"/>
           </a:xfrm>
           <a:custGeom>
@@ -5729,13 +5730,105 @@
       </p:sp>
       <p:sp>
         <p:nvSpPr>
-          <p:cNvPr id="5" name="TextBox 5"/>
+          <p:cNvPr id="5" name="Freeform 5"/>
+          <p:cNvSpPr/>
+          <p:nvPr/>
+        </p:nvSpPr>
+        <p:spPr>
+          <a:xfrm>
+            <a:off x="4043657" y="2038776"/>
+            <a:ext cx="3177559" cy="7710963"/>
+          </a:xfrm>
+          <a:custGeom>
+            <a:avLst/>
+            <a:gdLst/>
+            <a:ahLst/>
+            <a:cxnLst/>
+            <a:rect l="l" t="t" r="r" b="b"/>
+            <a:pathLst>
+              <a:path w="3177559" h="7710963">
+                <a:moveTo>
+                  <a:pt x="0" y="0"/>
+                </a:moveTo>
+                <a:lnTo>
+                  <a:pt x="3177559" y="0"/>
+                </a:lnTo>
+                <a:lnTo>
+                  <a:pt x="3177559" y="7710962"/>
+                </a:lnTo>
+                <a:lnTo>
+                  <a:pt x="0" y="7710962"/>
+                </a:lnTo>
+                <a:lnTo>
+                  <a:pt x="0" y="0"/>
+                </a:lnTo>
+                <a:close/>
+              </a:path>
+            </a:pathLst>
+          </a:custGeom>
+          <a:blipFill>
+            <a:blip r:embed="rId5"/>
+            <a:stretch>
+              <a:fillRect/>
+            </a:stretch>
+          </a:blipFill>
+        </p:spPr>
+      </p:sp>
+      <p:sp>
+        <p:nvSpPr>
+          <p:cNvPr id="6" name="Freeform 6"/>
+          <p:cNvSpPr/>
+          <p:nvPr/>
+        </p:nvSpPr>
+        <p:spPr>
+          <a:xfrm>
+            <a:off x="7757638" y="6187138"/>
+            <a:ext cx="7472866" cy="3562600"/>
+          </a:xfrm>
+          <a:custGeom>
+            <a:avLst/>
+            <a:gdLst/>
+            <a:ahLst/>
+            <a:cxnLst/>
+            <a:rect l="l" t="t" r="r" b="b"/>
+            <a:pathLst>
+              <a:path w="7472866" h="3562600">
+                <a:moveTo>
+                  <a:pt x="0" y="0"/>
+                </a:moveTo>
+                <a:lnTo>
+                  <a:pt x="7472866" y="0"/>
+                </a:lnTo>
+                <a:lnTo>
+                  <a:pt x="7472866" y="3562600"/>
+                </a:lnTo>
+                <a:lnTo>
+                  <a:pt x="0" y="3562600"/>
+                </a:lnTo>
+                <a:lnTo>
+                  <a:pt x="0" y="0"/>
+                </a:lnTo>
+                <a:close/>
+              </a:path>
+            </a:pathLst>
+          </a:custGeom>
+          <a:blipFill>
+            <a:blip r:embed="rId6"/>
+            <a:stretch>
+              <a:fillRect/>
+            </a:stretch>
+          </a:blipFill>
+        </p:spPr>
+      </p:sp>
+      <p:sp>
+        <p:nvSpPr>
+          <p:cNvPr id="7" name="TextBox 7"/>
           <p:cNvSpPr txBox="1"/>
           <p:nvPr/>
         </p:nvSpPr>
         <p:spPr>
           <a:xfrm>
-            <a:off x="1028700" y="989049"/>
+            <a:off x="1028700" y="816881"/>
             <a:ext cx="4603737" cy="781050"/>
           </a:xfrm>
           <a:prstGeom prst="rect">
@@ -5768,6 +5861,52 @@
           </a:p>
         </p:txBody>
       </p:sp>
+      <p:sp>
+        <p:nvSpPr>
+          <p:cNvPr id="8" name="Freeform 8"/>
+          <p:cNvSpPr/>
+          <p:nvPr/>
+        </p:nvSpPr>
+        <p:spPr>
+          <a:xfrm>
+            <a:off x="7757638" y="2038776"/>
+            <a:ext cx="7472866" cy="3562600"/>
+          </a:xfrm>
+          <a:custGeom>
+            <a:avLst/>
+            <a:gdLst/>
+            <a:ahLst/>
+            <a:cxnLst/>
+            <a:rect l="l" t="t" r="r" b="b"/>
+            <a:pathLst>
+              <a:path w="7472866" h="3562600">
+                <a:moveTo>
+                  <a:pt x="0" y="0"/>
+                </a:moveTo>
+                <a:lnTo>
+                  <a:pt x="7472866" y="0"/>
+                </a:lnTo>
+                <a:lnTo>
+                  <a:pt x="7472866" y="3562599"/>
+                </a:lnTo>
+                <a:lnTo>
+                  <a:pt x="0" y="3562599"/>
+                </a:lnTo>
+                <a:lnTo>
+                  <a:pt x="0" y="0"/>
+                </a:lnTo>
+                <a:close/>
+              </a:path>
+            </a:pathLst>
+          </a:custGeom>
+          <a:blipFill>
+            <a:blip r:embed="rId7"/>
+            <a:stretch>
+              <a:fillRect/>
+            </a:stretch>
+          </a:blipFill>
+        </p:spPr>
+      </p:sp>
     </p:spTree>
   </p:cSld>
   <p:clrMapOvr>
@@ -5777,6 +5916,314 @@
 </file>
 
 <file path=ppt/slides/slide6.xml><?xml version="1.0" encoding="utf-8"?>
+<p:sld xmlns:a="http://schemas.openxmlformats.org/drawingml/2006/main" xmlns:r="http://schemas.openxmlformats.org/officeDocument/2006/relationships" xmlns:p="http://schemas.openxmlformats.org/presentationml/2006/main">
+  <p:cSld>
+    <p:spTree>
+      <p:nvGrpSpPr>
+        <p:cNvPr id="1" name=""/>
+        <p:cNvGrpSpPr/>
+        <p:nvPr/>
+      </p:nvGrpSpPr>
+      <p:grpSpPr>
+        <a:xfrm>
+          <a:off x="0" y="0"/>
+          <a:ext cx="0" cy="0"/>
+          <a:chOff x="0" y="0"/>
+          <a:chExt cx="0" cy="0"/>
+        </a:xfrm>
+      </p:grpSpPr>
+      <p:sp>
+        <p:nvSpPr>
+          <p:cNvPr id="2" name="Freeform 2"/>
+          <p:cNvSpPr/>
+          <p:nvPr/>
+        </p:nvSpPr>
+        <p:spPr>
+          <a:xfrm>
+            <a:off x="0" y="0"/>
+            <a:ext cx="18288000" cy="10287000"/>
+          </a:xfrm>
+          <a:custGeom>
+            <a:avLst/>
+            <a:gdLst/>
+            <a:ahLst/>
+            <a:cxnLst/>
+            <a:rect l="l" t="t" r="r" b="b"/>
+            <a:pathLst>
+              <a:path w="18288000" h="10287000">
+                <a:moveTo>
+                  <a:pt x="0" y="0"/>
+                </a:moveTo>
+                <a:lnTo>
+                  <a:pt x="18288000" y="0"/>
+                </a:lnTo>
+                <a:lnTo>
+                  <a:pt x="18288000" y="10287000"/>
+                </a:lnTo>
+                <a:lnTo>
+                  <a:pt x="0" y="10287000"/>
+                </a:lnTo>
+                <a:lnTo>
+                  <a:pt x="0" y="0"/>
+                </a:lnTo>
+                <a:close/>
+              </a:path>
+            </a:pathLst>
+          </a:custGeom>
+          <a:blipFill>
+            <a:blip r:embed="rId2"/>
+            <a:stretch>
+              <a:fillRect t="-8777" b="-8777"/>
+            </a:stretch>
+          </a:blipFill>
+        </p:spPr>
+      </p:sp>
+      <p:sp>
+        <p:nvSpPr>
+          <p:cNvPr id="3" name="Freeform 3"/>
+          <p:cNvSpPr/>
+          <p:nvPr/>
+        </p:nvSpPr>
+        <p:spPr>
+          <a:xfrm rot="-616432">
+            <a:off x="-2442929" y="3450562"/>
+            <a:ext cx="7367716" cy="10287000"/>
+          </a:xfrm>
+          <a:custGeom>
+            <a:avLst/>
+            <a:gdLst/>
+            <a:ahLst/>
+            <a:cxnLst/>
+            <a:rect l="l" t="t" r="r" b="b"/>
+            <a:pathLst>
+              <a:path w="7367716" h="10287000">
+                <a:moveTo>
+                  <a:pt x="0" y="0"/>
+                </a:moveTo>
+                <a:lnTo>
+                  <a:pt x="7367716" y="0"/>
+                </a:lnTo>
+                <a:lnTo>
+                  <a:pt x="7367716" y="10287000"/>
+                </a:lnTo>
+                <a:lnTo>
+                  <a:pt x="0" y="10287000"/>
+                </a:lnTo>
+                <a:lnTo>
+                  <a:pt x="0" y="0"/>
+                </a:lnTo>
+                <a:close/>
+              </a:path>
+            </a:pathLst>
+          </a:custGeom>
+          <a:blipFill>
+            <a:blip r:embed="rId3">
+              <a:extLst>
+                <a:ext uri="{96DAC541-7B7A-43D3-8B79-37D633B846F1}">
+                  <asvg:svgBlip xmlns:asvg="http://schemas.microsoft.com/office/drawing/2016/SVG/main" r:embed="rId4"/>
+                </a:ext>
+              </a:extLst>
+            </a:blip>
+            <a:stretch>
+              <a:fillRect/>
+            </a:stretch>
+          </a:blipFill>
+        </p:spPr>
+      </p:sp>
+      <p:sp>
+        <p:nvSpPr>
+          <p:cNvPr id="4" name="Freeform 4"/>
+          <p:cNvSpPr/>
+          <p:nvPr/>
+        </p:nvSpPr>
+        <p:spPr>
+          <a:xfrm rot="-522331" flipH="1" flipV="1">
+            <a:off x="13222819" y="-2891373"/>
+            <a:ext cx="6677243" cy="9322943"/>
+          </a:xfrm>
+          <a:custGeom>
+            <a:avLst/>
+            <a:gdLst/>
+            <a:ahLst/>
+            <a:cxnLst/>
+            <a:rect l="l" t="t" r="r" b="b"/>
+            <a:pathLst>
+              <a:path w="6677243" h="9322943">
+                <a:moveTo>
+                  <a:pt x="6677243" y="9322943"/>
+                </a:moveTo>
+                <a:lnTo>
+                  <a:pt x="0" y="9322943"/>
+                </a:lnTo>
+                <a:lnTo>
+                  <a:pt x="0" y="0"/>
+                </a:lnTo>
+                <a:lnTo>
+                  <a:pt x="6677243" y="0"/>
+                </a:lnTo>
+                <a:lnTo>
+                  <a:pt x="6677243" y="9322943"/>
+                </a:lnTo>
+                <a:close/>
+              </a:path>
+            </a:pathLst>
+          </a:custGeom>
+          <a:blipFill>
+            <a:blip r:embed="rId3">
+              <a:extLst>
+                <a:ext uri="{96DAC541-7B7A-43D3-8B79-37D633B846F1}">
+                  <asvg:svgBlip xmlns:asvg="http://schemas.microsoft.com/office/drawing/2016/SVG/main" r:embed="rId4"/>
+                </a:ext>
+              </a:extLst>
+            </a:blip>
+            <a:stretch>
+              <a:fillRect/>
+            </a:stretch>
+          </a:blipFill>
+        </p:spPr>
+      </p:sp>
+      <p:sp>
+        <p:nvSpPr>
+          <p:cNvPr id="5" name="Freeform 5"/>
+          <p:cNvSpPr/>
+          <p:nvPr/>
+        </p:nvSpPr>
+        <p:spPr>
+          <a:xfrm>
+            <a:off x="10136845" y="5143500"/>
+            <a:ext cx="7122455" cy="4084335"/>
+          </a:xfrm>
+          <a:custGeom>
+            <a:avLst/>
+            <a:gdLst/>
+            <a:ahLst/>
+            <a:cxnLst/>
+            <a:rect l="l" t="t" r="r" b="b"/>
+            <a:pathLst>
+              <a:path w="7122455" h="4084335">
+                <a:moveTo>
+                  <a:pt x="0" y="0"/>
+                </a:moveTo>
+                <a:lnTo>
+                  <a:pt x="7122455" y="0"/>
+                </a:lnTo>
+                <a:lnTo>
+                  <a:pt x="7122455" y="4084335"/>
+                </a:lnTo>
+                <a:lnTo>
+                  <a:pt x="0" y="4084335"/>
+                </a:lnTo>
+                <a:lnTo>
+                  <a:pt x="0" y="0"/>
+                </a:lnTo>
+                <a:close/>
+              </a:path>
+            </a:pathLst>
+          </a:custGeom>
+          <a:blipFill>
+            <a:blip r:embed="rId5"/>
+            <a:stretch>
+              <a:fillRect/>
+            </a:stretch>
+          </a:blipFill>
+        </p:spPr>
+      </p:sp>
+      <p:sp>
+        <p:nvSpPr>
+          <p:cNvPr id="6" name="TextBox 6"/>
+          <p:cNvSpPr txBox="1"/>
+          <p:nvPr/>
+        </p:nvSpPr>
+        <p:spPr>
+          <a:xfrm>
+            <a:off x="1028700" y="816881"/>
+            <a:ext cx="4603737" cy="781050"/>
+          </a:xfrm>
+          <a:prstGeom prst="rect">
+            <a:avLst/>
+          </a:prstGeom>
+        </p:spPr>
+        <p:txBody>
+          <a:bodyPr lIns="0" tIns="0" rIns="0" bIns="0" rtlCol="0" anchor="t">
+            <a:spAutoFit/>
+          </a:bodyPr>
+          <a:lstStyle/>
+          <a:p>
+            <a:pPr marL="0" lvl="0" indent="0" algn="l">
+              <a:lnSpc>
+                <a:spcPts val="6000"/>
+              </a:lnSpc>
+            </a:pPr>
+            <a:r>
+              <a:rPr lang="en-US" sz="5000" b="1">
+                <a:solidFill>
+                  <a:srgbClr val="000000"/>
+                </a:solidFill>
+                <a:latin typeface="Raleway Bold"/>
+                <a:ea typeface="Raleway Bold"/>
+                <a:cs typeface="Raleway Bold"/>
+                <a:sym typeface="Raleway Bold"/>
+              </a:rPr>
+              <a:t>Prototype</a:t>
+            </a:r>
+          </a:p>
+        </p:txBody>
+      </p:sp>
+      <p:sp>
+        <p:nvSpPr>
+          <p:cNvPr id="7" name="Freeform 7"/>
+          <p:cNvSpPr/>
+          <p:nvPr/>
+        </p:nvSpPr>
+        <p:spPr>
+          <a:xfrm>
+            <a:off x="1028700" y="1984911"/>
+            <a:ext cx="6887394" cy="3949541"/>
+          </a:xfrm>
+          <a:custGeom>
+            <a:avLst/>
+            <a:gdLst/>
+            <a:ahLst/>
+            <a:cxnLst/>
+            <a:rect l="l" t="t" r="r" b="b"/>
+            <a:pathLst>
+              <a:path w="6887394" h="3949541">
+                <a:moveTo>
+                  <a:pt x="0" y="0"/>
+                </a:moveTo>
+                <a:lnTo>
+                  <a:pt x="6887394" y="0"/>
+                </a:lnTo>
+                <a:lnTo>
+                  <a:pt x="6887394" y="3949541"/>
+                </a:lnTo>
+                <a:lnTo>
+                  <a:pt x="0" y="3949541"/>
+                </a:lnTo>
+                <a:lnTo>
+                  <a:pt x="0" y="0"/>
+                </a:lnTo>
+                <a:close/>
+              </a:path>
+            </a:pathLst>
+          </a:custGeom>
+          <a:blipFill>
+            <a:blip r:embed="rId6"/>
+            <a:stretch>
+              <a:fillRect/>
+            </a:stretch>
+          </a:blipFill>
+        </p:spPr>
+      </p:sp>
+    </p:spTree>
+  </p:cSld>
+  <p:clrMapOvr>
+    <a:masterClrMapping/>
+  </p:clrMapOvr>
+</p:sld>
+</file>
+
+<file path=ppt/slides/slide7.xml><?xml version="1.0" encoding="utf-8"?>
 <p:sld xmlns:a="http://schemas.openxmlformats.org/drawingml/2006/main" xmlns:r="http://schemas.openxmlformats.org/officeDocument/2006/relationships" xmlns:p="http://schemas.openxmlformats.org/presentationml/2006/main">
   <p:cSld>
     <p:spTree>

--- a/review/pptx/review_1.pptx
+++ b/review/pptx/review_1.pptx
@@ -323,7 +323,7 @@
             <a:fld id="{1D8BD707-D9CF-40AE-B4C6-C98DA3205C09}" type="datetimeFigureOut">
               <a:rPr lang="en-US" smtClean="0"/>
               <a:pPr/>
-              <a:t>4/28/2025</a:t>
+              <a:t>4/29/2025</a:t>
             </a:fld>
             <a:endParaRPr lang="en-US"/>
           </a:p>
@@ -488,7 +488,7 @@
             <a:fld id="{1D8BD707-D9CF-40AE-B4C6-C98DA3205C09}" type="datetimeFigureOut">
               <a:rPr lang="en-US" smtClean="0"/>
               <a:pPr/>
-              <a:t>4/28/2025</a:t>
+              <a:t>4/29/2025</a:t>
             </a:fld>
             <a:endParaRPr lang="en-US"/>
           </a:p>
@@ -663,7 +663,7 @@
             <a:fld id="{1D8BD707-D9CF-40AE-B4C6-C98DA3205C09}" type="datetimeFigureOut">
               <a:rPr lang="en-US" smtClean="0"/>
               <a:pPr/>
-              <a:t>4/28/2025</a:t>
+              <a:t>4/29/2025</a:t>
             </a:fld>
             <a:endParaRPr lang="en-US"/>
           </a:p>
@@ -828,7 +828,7 @@
             <a:fld id="{1D8BD707-D9CF-40AE-B4C6-C98DA3205C09}" type="datetimeFigureOut">
               <a:rPr lang="en-US" smtClean="0"/>
               <a:pPr/>
-              <a:t>4/28/2025</a:t>
+              <a:t>4/29/2025</a:t>
             </a:fld>
             <a:endParaRPr lang="en-US"/>
           </a:p>
@@ -1070,7 +1070,7 @@
             <a:fld id="{1D8BD707-D9CF-40AE-B4C6-C98DA3205C09}" type="datetimeFigureOut">
               <a:rPr lang="en-US" smtClean="0"/>
               <a:pPr/>
-              <a:t>4/28/2025</a:t>
+              <a:t>4/29/2025</a:t>
             </a:fld>
             <a:endParaRPr lang="en-US"/>
           </a:p>
@@ -1352,7 +1352,7 @@
             <a:fld id="{1D8BD707-D9CF-40AE-B4C6-C98DA3205C09}" type="datetimeFigureOut">
               <a:rPr lang="en-US" smtClean="0"/>
               <a:pPr/>
-              <a:t>4/28/2025</a:t>
+              <a:t>4/29/2025</a:t>
             </a:fld>
             <a:endParaRPr lang="en-US"/>
           </a:p>
@@ -1768,7 +1768,7 @@
             <a:fld id="{1D8BD707-D9CF-40AE-B4C6-C98DA3205C09}" type="datetimeFigureOut">
               <a:rPr lang="en-US" smtClean="0"/>
               <a:pPr/>
-              <a:t>4/28/2025</a:t>
+              <a:t>4/29/2025</a:t>
             </a:fld>
             <a:endParaRPr lang="en-US"/>
           </a:p>
@@ -1882,7 +1882,7 @@
             <a:fld id="{1D8BD707-D9CF-40AE-B4C6-C98DA3205C09}" type="datetimeFigureOut">
               <a:rPr lang="en-US" smtClean="0"/>
               <a:pPr/>
-              <a:t>4/28/2025</a:t>
+              <a:t>4/29/2025</a:t>
             </a:fld>
             <a:endParaRPr lang="en-US"/>
           </a:p>
@@ -1974,7 +1974,7 @@
             <a:fld id="{1D8BD707-D9CF-40AE-B4C6-C98DA3205C09}" type="datetimeFigureOut">
               <a:rPr lang="en-US" smtClean="0"/>
               <a:pPr/>
-              <a:t>4/28/2025</a:t>
+              <a:t>4/29/2025</a:t>
             </a:fld>
             <a:endParaRPr lang="en-US"/>
           </a:p>
@@ -2246,7 +2246,7 @@
             <a:fld id="{1D8BD707-D9CF-40AE-B4C6-C98DA3205C09}" type="datetimeFigureOut">
               <a:rPr lang="en-US" smtClean="0"/>
               <a:pPr/>
-              <a:t>4/28/2025</a:t>
+              <a:t>4/29/2025</a:t>
             </a:fld>
             <a:endParaRPr lang="en-US"/>
           </a:p>
@@ -2495,7 +2495,7 @@
             <a:fld id="{1D8BD707-D9CF-40AE-B4C6-C98DA3205C09}" type="datetimeFigureOut">
               <a:rPr lang="en-US" smtClean="0"/>
               <a:pPr/>
-              <a:t>4/28/2025</a:t>
+              <a:t>4/29/2025</a:t>
             </a:fld>
             <a:endParaRPr lang="en-US"/>
           </a:p>
@@ -2703,7 +2703,7 @@
             <a:fld id="{1D8BD707-D9CF-40AE-B4C6-C98DA3205C09}" type="datetimeFigureOut">
               <a:rPr lang="en-US" smtClean="0"/>
               <a:pPr/>
-              <a:t>4/28/2025</a:t>
+              <a:t>4/29/2025</a:t>
             </a:fld>
             <a:endParaRPr lang="en-US"/>
           </a:p>
@@ -3919,7 +3919,7 @@
         <p:spPr>
           <a:xfrm>
             <a:off x="1028700" y="7207640"/>
-            <a:ext cx="11719322" cy="413385"/>
+            <a:ext cx="11719322" cy="437043"/>
           </a:xfrm>
           <a:prstGeom prst="rect">
             <a:avLst/>
@@ -3937,7 +3937,7 @@
               </a:lnSpc>
             </a:pPr>
             <a:r>
-              <a:rPr lang="en-US" sz="2399">
+              <a:rPr lang="en-US" sz="2399" dirty="0">
                 <a:solidFill>
                   <a:srgbClr val="000000"/>
                 </a:solidFill>
@@ -3946,7 +3946,7 @@
                 <a:cs typeface="Now"/>
                 <a:sym typeface="Now"/>
               </a:rPr>
-              <a:t>Enable collaboration features like presence, comments, roles, and notifications.</a:t>
+              <a:t>Enable collaboration features like presence and roles.</a:t>
             </a:r>
           </a:p>
         </p:txBody>
